--- a/LHC_MKI/figures/17-cond-alt.pptx
+++ b/LHC_MKI/figures/17-cond-alt.pptx
@@ -288,7 +288,7 @@
           <a:p>
             <a:fld id="{C3EAF0B1-1327-48BB-81F2-5CFDDF0B3E29}" type="datetimeFigureOut">
               <a:rPr lang="en-GB" smtClean="0"/>
-              <a:t>28/11/2012</a:t>
+              <a:t>23/01/2013</a:t>
             </a:fld>
             <a:endParaRPr lang="en-GB"/>
           </a:p>
@@ -453,7 +453,7 @@
           <a:p>
             <a:fld id="{C3EAF0B1-1327-48BB-81F2-5CFDDF0B3E29}" type="datetimeFigureOut">
               <a:rPr lang="en-GB" smtClean="0"/>
-              <a:t>28/11/2012</a:t>
+              <a:t>23/01/2013</a:t>
             </a:fld>
             <a:endParaRPr lang="en-GB"/>
           </a:p>
@@ -628,7 +628,7 @@
           <a:p>
             <a:fld id="{C3EAF0B1-1327-48BB-81F2-5CFDDF0B3E29}" type="datetimeFigureOut">
               <a:rPr lang="en-GB" smtClean="0"/>
-              <a:t>28/11/2012</a:t>
+              <a:t>23/01/2013</a:t>
             </a:fld>
             <a:endParaRPr lang="en-GB"/>
           </a:p>
@@ -793,7 +793,7 @@
           <a:p>
             <a:fld id="{C3EAF0B1-1327-48BB-81F2-5CFDDF0B3E29}" type="datetimeFigureOut">
               <a:rPr lang="en-GB" smtClean="0"/>
-              <a:t>28/11/2012</a:t>
+              <a:t>23/01/2013</a:t>
             </a:fld>
             <a:endParaRPr lang="en-GB"/>
           </a:p>
@@ -1034,7 +1034,7 @@
           <a:p>
             <a:fld id="{C3EAF0B1-1327-48BB-81F2-5CFDDF0B3E29}" type="datetimeFigureOut">
               <a:rPr lang="en-GB" smtClean="0"/>
-              <a:t>28/11/2012</a:t>
+              <a:t>23/01/2013</a:t>
             </a:fld>
             <a:endParaRPr lang="en-GB"/>
           </a:p>
@@ -1317,7 +1317,7 @@
           <a:p>
             <a:fld id="{C3EAF0B1-1327-48BB-81F2-5CFDDF0B3E29}" type="datetimeFigureOut">
               <a:rPr lang="en-GB" smtClean="0"/>
-              <a:t>28/11/2012</a:t>
+              <a:t>23/01/2013</a:t>
             </a:fld>
             <a:endParaRPr lang="en-GB"/>
           </a:p>
@@ -1734,7 +1734,7 @@
           <a:p>
             <a:fld id="{C3EAF0B1-1327-48BB-81F2-5CFDDF0B3E29}" type="datetimeFigureOut">
               <a:rPr lang="en-GB" smtClean="0"/>
-              <a:t>28/11/2012</a:t>
+              <a:t>23/01/2013</a:t>
             </a:fld>
             <a:endParaRPr lang="en-GB"/>
           </a:p>
@@ -1847,7 +1847,7 @@
           <a:p>
             <a:fld id="{C3EAF0B1-1327-48BB-81F2-5CFDDF0B3E29}" type="datetimeFigureOut">
               <a:rPr lang="en-GB" smtClean="0"/>
-              <a:t>28/11/2012</a:t>
+              <a:t>23/01/2013</a:t>
             </a:fld>
             <a:endParaRPr lang="en-GB"/>
           </a:p>
@@ -1937,7 +1937,7 @@
           <a:p>
             <a:fld id="{C3EAF0B1-1327-48BB-81F2-5CFDDF0B3E29}" type="datetimeFigureOut">
               <a:rPr lang="en-GB" smtClean="0"/>
-              <a:t>28/11/2012</a:t>
+              <a:t>23/01/2013</a:t>
             </a:fld>
             <a:endParaRPr lang="en-GB"/>
           </a:p>
@@ -2209,7 +2209,7 @@
           <a:p>
             <a:fld id="{C3EAF0B1-1327-48BB-81F2-5CFDDF0B3E29}" type="datetimeFigureOut">
               <a:rPr lang="en-GB" smtClean="0"/>
-              <a:t>28/11/2012</a:t>
+              <a:t>23/01/2013</a:t>
             </a:fld>
             <a:endParaRPr lang="en-GB"/>
           </a:p>
@@ -2457,7 +2457,7 @@
           <a:p>
             <a:fld id="{C3EAF0B1-1327-48BB-81F2-5CFDDF0B3E29}" type="datetimeFigureOut">
               <a:rPr lang="en-GB" smtClean="0"/>
-              <a:t>28/11/2012</a:t>
+              <a:t>23/01/2013</a:t>
             </a:fld>
             <a:endParaRPr lang="en-GB"/>
           </a:p>
@@ -2665,7 +2665,7 @@
           <a:p>
             <a:fld id="{C3EAF0B1-1327-48BB-81F2-5CFDDF0B3E29}" type="datetimeFigureOut">
               <a:rPr lang="en-GB" smtClean="0"/>
-              <a:t>28/11/2012</a:t>
+              <a:t>23/01/2013</a:t>
             </a:fld>
             <a:endParaRPr lang="en-GB"/>
           </a:p>
@@ -3482,11 +3482,11 @@
             <a:avLst/>
           </a:prstGeom>
           <a:solidFill>
-            <a:srgbClr val="FF0000"/>
+            <a:schemeClr val="tx1"/>
           </a:solidFill>
           <a:ln>
             <a:solidFill>
-              <a:srgbClr val="FF0000"/>
+              <a:schemeClr val="tx1"/>
             </a:solidFill>
           </a:ln>
         </p:spPr>
@@ -3511,7 +3511,13 @@
           <a:lstStyle/>
           <a:p>
             <a:pPr algn="ctr"/>
-            <a:endParaRPr lang="en-GB"/>
+            <a:endParaRPr lang="en-GB">
+              <a:ln>
+                <a:solidFill>
+                  <a:schemeClr val="tx1"/>
+                </a:solidFill>
+              </a:ln>
+            </a:endParaRPr>
           </a:p>
         </p:txBody>
       </p:sp>
@@ -3530,11 +3536,11 @@
             <a:avLst/>
           </a:prstGeom>
           <a:solidFill>
-            <a:srgbClr val="FF0000"/>
+            <a:schemeClr val="tx1"/>
           </a:solidFill>
           <a:ln>
             <a:solidFill>
-              <a:srgbClr val="FF0000"/>
+              <a:schemeClr val="tx1"/>
             </a:solidFill>
           </a:ln>
         </p:spPr>
@@ -3559,7 +3565,11 @@
           <a:lstStyle/>
           <a:p>
             <a:pPr algn="ctr"/>
-            <a:endParaRPr lang="en-GB"/>
+            <a:endParaRPr lang="en-GB">
+              <a:solidFill>
+                <a:schemeClr val="tx1"/>
+              </a:solidFill>
+            </a:endParaRPr>
           </a:p>
         </p:txBody>
       </p:sp>
